--- a/Slides/Module 7 - Adapters.pptx
+++ b/Slides/Module 7 - Adapters.pptx
@@ -6,10 +6,10 @@
     <p:sldMasterId id="2147483877" r:id="rId3"/>
   </p:sldMasterIdLst>
   <p:notesMasterIdLst>
-    <p:notesMasterId r:id="rId31"/>
+    <p:notesMasterId r:id="rId32"/>
   </p:notesMasterIdLst>
   <p:handoutMasterIdLst>
-    <p:handoutMasterId r:id="rId32"/>
+    <p:handoutMasterId r:id="rId33"/>
   </p:handoutMasterIdLst>
   <p:sldIdLst>
     <p:sldId id="466" r:id="rId4"/>
@@ -29,16 +29,17 @@
     <p:sldId id="467" r:id="rId18"/>
     <p:sldId id="480" r:id="rId19"/>
     <p:sldId id="447" r:id="rId20"/>
-    <p:sldId id="470" r:id="rId21"/>
-    <p:sldId id="471" r:id="rId22"/>
-    <p:sldId id="446" r:id="rId23"/>
-    <p:sldId id="354" r:id="rId24"/>
-    <p:sldId id="476" r:id="rId25"/>
-    <p:sldId id="477" r:id="rId26"/>
-    <p:sldId id="478" r:id="rId27"/>
-    <p:sldId id="479" r:id="rId28"/>
-    <p:sldId id="472" r:id="rId29"/>
-    <p:sldId id="473" r:id="rId30"/>
+    <p:sldId id="263" r:id="rId21"/>
+    <p:sldId id="470" r:id="rId22"/>
+    <p:sldId id="471" r:id="rId23"/>
+    <p:sldId id="446" r:id="rId24"/>
+    <p:sldId id="354" r:id="rId25"/>
+    <p:sldId id="476" r:id="rId26"/>
+    <p:sldId id="477" r:id="rId27"/>
+    <p:sldId id="478" r:id="rId28"/>
+    <p:sldId id="479" r:id="rId29"/>
+    <p:sldId id="472" r:id="rId30"/>
+    <p:sldId id="473" r:id="rId31"/>
   </p:sldIdLst>
   <p:sldSz cx="9144000" cy="6858000" type="screen4x3"/>
   <p:notesSz cx="6858000" cy="9144000"/>
@@ -315,7 +316,7 @@
               <a:pPr>
                 <a:defRPr/>
               </a:pPr>
-              <a:t>16 December 2016</a:t>
+              <a:t>09 December 2018</a:t>
             </a:fld>
             <a:endParaRPr lang="de-DE"/>
           </a:p>
@@ -629,7 +630,7 @@
               <a:pPr>
                 <a:defRPr/>
               </a:pPr>
-              <a:t>16. Dezember 2016</a:t>
+              <a:t>9. Dezember 2018</a:t>
             </a:fld>
             <a:r>
               <a:rPr lang="de-DE"/>
@@ -949,7 +950,7 @@
               <a:pPr>
                 <a:defRPr/>
               </a:pPr>
-              <a:t>16. Dezember 2016</a:t>
+              <a:t>9. Dezember 2018</a:t>
             </a:fld>
             <a:r>
               <a:rPr lang="de-DE"/>
@@ -991,6 +992,130 @@
     <p:extLst>
       <p:ext uri="{BB962C8B-B14F-4D97-AF65-F5344CB8AC3E}">
         <p14:creationId xmlns:p14="http://schemas.microsoft.com/office/powerpoint/2010/main" val="1541789686"/>
+      </p:ext>
+    </p:extLst>
+  </p:cSld>
+  <p:clrMapOvr>
+    <a:masterClrMapping/>
+  </p:clrMapOvr>
+</p:notes>
+</file>
+
+<file path=ppt/notesSlides/notesSlide10.xml><?xml version="1.0" encoding="utf-8"?>
+<p:notes xmlns:a="http://schemas.openxmlformats.org/drawingml/2006/main" xmlns:r="http://schemas.openxmlformats.org/officeDocument/2006/relationships" xmlns:p="http://schemas.openxmlformats.org/presentationml/2006/main">
+  <p:cSld>
+    <p:spTree>
+      <p:nvGrpSpPr>
+        <p:cNvPr id="1" name=""/>
+        <p:cNvGrpSpPr/>
+        <p:nvPr/>
+      </p:nvGrpSpPr>
+      <p:grpSpPr>
+        <a:xfrm>
+          <a:off x="0" y="0"/>
+          <a:ext cx="0" cy="0"/>
+          <a:chOff x="0" y="0"/>
+          <a:chExt cx="0" cy="0"/>
+        </a:xfrm>
+      </p:grpSpPr>
+      <p:sp>
+        <p:nvSpPr>
+          <p:cNvPr id="2" name="Platshållare för bildobjekt 1"/>
+          <p:cNvSpPr>
+            <a:spLocks noGrp="1" noRot="1" noChangeAspect="1"/>
+          </p:cNvSpPr>
+          <p:nvPr>
+            <p:ph type="sldImg"/>
+          </p:nvPr>
+        </p:nvSpPr>
+        <p:spPr/>
+      </p:sp>
+      <p:sp>
+        <p:nvSpPr>
+          <p:cNvPr id="3" name="Platshållare för anteckningar 2"/>
+          <p:cNvSpPr>
+            <a:spLocks noGrp="1"/>
+          </p:cNvSpPr>
+          <p:nvPr>
+            <p:ph type="body" idx="1"/>
+          </p:nvPr>
+        </p:nvSpPr>
+        <p:spPr/>
+        <p:txBody>
+          <a:bodyPr>
+            <a:normAutofit/>
+          </a:bodyPr>
+          <a:lstStyle/>
+          <a:p>
+            <a:endParaRPr lang="en-GB"/>
+          </a:p>
+        </p:txBody>
+      </p:sp>
+      <p:sp>
+        <p:nvSpPr>
+          <p:cNvPr id="4" name="Platshållare för sidfot 3"/>
+          <p:cNvSpPr>
+            <a:spLocks noGrp="1"/>
+          </p:cNvSpPr>
+          <p:nvPr>
+            <p:ph type="ftr" sz="quarter" idx="10"/>
+          </p:nvPr>
+        </p:nvSpPr>
+        <p:spPr/>
+        <p:txBody>
+          <a:bodyPr/>
+          <a:lstStyle/>
+          <a:p>
+            <a:pPr>
+              <a:defRPr/>
+            </a:pPr>
+            <a:fld id="{98144E35-40E7-4AAB-A5E9-3235710F6BE9}" type="datetime4">
+              <a:rPr lang="de-DE" smtClean="0"/>
+              <a:pPr>
+                <a:defRPr/>
+              </a:pPr>
+              <a:t>9. Dezember 2018</a:t>
+            </a:fld>
+            <a:r>
+              <a:rPr lang="de-DE"/>
+              <a:t> | Title of Presentation</a:t>
+            </a:r>
+          </a:p>
+        </p:txBody>
+      </p:sp>
+      <p:sp>
+        <p:nvSpPr>
+          <p:cNvPr id="5" name="Platshållare för bildnummer 4"/>
+          <p:cNvSpPr>
+            <a:spLocks noGrp="1"/>
+          </p:cNvSpPr>
+          <p:nvPr>
+            <p:ph type="sldNum" sz="quarter" idx="11"/>
+          </p:nvPr>
+        </p:nvSpPr>
+        <p:spPr/>
+        <p:txBody>
+          <a:bodyPr/>
+          <a:lstStyle/>
+          <a:p>
+            <a:pPr>
+              <a:defRPr/>
+            </a:pPr>
+            <a:fld id="{1BC88096-720D-4455-BB96-AB0C9EDCD546}" type="slidenum">
+              <a:rPr lang="de-DE" smtClean="0"/>
+              <a:pPr>
+                <a:defRPr/>
+              </a:pPr>
+              <a:t>22</a:t>
+            </a:fld>
+            <a:endParaRPr lang="de-DE"/>
+          </a:p>
+        </p:txBody>
+      </p:sp>
+    </p:spTree>
+    <p:extLst>
+      <p:ext uri="{BB962C8B-B14F-4D97-AF65-F5344CB8AC3E}">
+        <p14:creationId xmlns:p14="http://schemas.microsoft.com/office/powerpoint/2010/main" val="2407380387"/>
       </p:ext>
     </p:extLst>
   </p:cSld>
@@ -1097,7 +1222,7 @@
               <a:pPr>
                 <a:defRPr/>
               </a:pPr>
-              <a:t>16. Dezember 2016</a:t>
+              <a:t>9. Dezember 2018</a:t>
             </a:fld>
             <a:r>
               <a:rPr lang="de-DE"/>
@@ -1241,7 +1366,7 @@
               <a:pPr>
                 <a:defRPr/>
               </a:pPr>
-              <a:t>12/16/2016</a:t>
+              <a:t>12/9/2018</a:t>
             </a:fld>
             <a:endParaRPr lang="en-US" dirty="0"/>
           </a:p>
@@ -1651,7 +1776,7 @@
               <a:pPr>
                 <a:defRPr/>
               </a:pPr>
-              <a:t>16. Dezember 2016</a:t>
+              <a:t>9. Dezember 2018</a:t>
             </a:fld>
             <a:r>
               <a:rPr lang="de-DE"/>
@@ -1773,7 +1898,7 @@
               <a:pPr>
                 <a:defRPr/>
               </a:pPr>
-              <a:t>16. Dezember 2016</a:t>
+              <a:t>9. Dezember 2018</a:t>
             </a:fld>
             <a:r>
               <a:rPr lang="de-DE"/>
@@ -1895,7 +2020,7 @@
               <a:pPr>
                 <a:defRPr/>
               </a:pPr>
-              <a:t>16. Dezember 2016</a:t>
+              <a:t>9. Dezember 2018</a:t>
             </a:fld>
             <a:r>
               <a:rPr lang="de-DE"/>
@@ -1947,6 +2072,384 @@
 </file>
 
 <file path=ppt/notesSlides/notesSlide8.xml><?xml version="1.0" encoding="utf-8"?>
+<p:notes xmlns:a="http://schemas.openxmlformats.org/drawingml/2006/main" xmlns:r="http://schemas.openxmlformats.org/officeDocument/2006/relationships" xmlns:p="http://schemas.openxmlformats.org/presentationml/2006/main">
+  <p:cSld>
+    <p:spTree>
+      <p:nvGrpSpPr>
+        <p:cNvPr id="1" name=""/>
+        <p:cNvGrpSpPr/>
+        <p:nvPr/>
+      </p:nvGrpSpPr>
+      <p:grpSpPr>
+        <a:xfrm>
+          <a:off x="0" y="0"/>
+          <a:ext cx="0" cy="0"/>
+          <a:chOff x="0" y="0"/>
+          <a:chExt cx="0" cy="0"/>
+        </a:xfrm>
+      </p:grpSpPr>
+      <p:sp>
+        <p:nvSpPr>
+          <p:cNvPr id="2" name="Slide Image Placeholder 1"/>
+          <p:cNvSpPr>
+            <a:spLocks noGrp="1" noRot="1" noChangeAspect="1"/>
+          </p:cNvSpPr>
+          <p:nvPr>
+            <p:ph type="sldImg"/>
+          </p:nvPr>
+        </p:nvSpPr>
+        <p:spPr/>
+      </p:sp>
+      <p:sp>
+        <p:nvSpPr>
+          <p:cNvPr id="3" name="Notes Placeholder 2"/>
+          <p:cNvSpPr>
+            <a:spLocks noGrp="1"/>
+          </p:cNvSpPr>
+          <p:nvPr>
+            <p:ph type="body" idx="1"/>
+          </p:nvPr>
+        </p:nvSpPr>
+        <p:spPr/>
+        <p:txBody>
+          <a:bodyPr/>
+          <a:lstStyle/>
+          <a:p>
+            <a:r>
+              <a:rPr lang="en-US" dirty="0"/>
+              <a:t>LAAdapter01 – Postman &gt; LA &gt; BizTalk</a:t>
+            </a:r>
+          </a:p>
+        </p:txBody>
+      </p:sp>
+      <p:sp>
+        <p:nvSpPr>
+          <p:cNvPr id="4" name="Header Placeholder 3"/>
+          <p:cNvSpPr>
+            <a:spLocks noGrp="1"/>
+          </p:cNvSpPr>
+          <p:nvPr>
+            <p:ph type="hdr" sz="quarter" idx="10"/>
+          </p:nvPr>
+        </p:nvSpPr>
+        <p:spPr/>
+        <p:txBody>
+          <a:bodyPr/>
+          <a:lstStyle/>
+          <a:p>
+            <a:pPr marL="0" marR="0" lvl="0" indent="0" algn="l" defTabSz="932742" rtl="0" eaLnBrk="1" fontAlgn="auto" latinLnBrk="0" hangingPunct="1">
+              <a:lnSpc>
+                <a:spcPct val="100000"/>
+              </a:lnSpc>
+              <a:spcBef>
+                <a:spcPts val="0"/>
+              </a:spcBef>
+              <a:spcAft>
+                <a:spcPts val="0"/>
+              </a:spcAft>
+              <a:buClrTx/>
+              <a:buSzTx/>
+              <a:buFontTx/>
+              <a:buNone/>
+              <a:tabLst/>
+              <a:defRPr/>
+            </a:pPr>
+            <a:r>
+              <a:rPr kumimoji="0" lang="en-US" sz="1200" b="0" i="0" u="none" strike="noStrike" kern="1200" cap="none" spc="0" normalizeH="0" baseline="0" noProof="0">
+                <a:ln>
+                  <a:noFill/>
+                </a:ln>
+                <a:solidFill>
+                  <a:prstClr val="black"/>
+                </a:solidFill>
+                <a:effectLst/>
+                <a:uLnTx/>
+                <a:uFillTx/>
+                <a:latin typeface="Segoe UI" pitchFamily="34" charset="0"/>
+                <a:ea typeface="+mn-ea"/>
+                <a:cs typeface="+mn-cs"/>
+              </a:rPr>
+              <a:t>Microsoft Worldwide Partner Conference 2016</a:t>
+            </a:r>
+            <a:endParaRPr kumimoji="0" lang="en-US" sz="1200" b="0" i="0" u="none" strike="noStrike" kern="1200" cap="none" spc="0" normalizeH="0" baseline="0" noProof="0" dirty="0">
+              <a:ln>
+                <a:noFill/>
+              </a:ln>
+              <a:solidFill>
+                <a:prstClr val="black"/>
+              </a:solidFill>
+              <a:effectLst/>
+              <a:uLnTx/>
+              <a:uFillTx/>
+              <a:latin typeface="Segoe UI" pitchFamily="34" charset="0"/>
+              <a:ea typeface="+mn-ea"/>
+              <a:cs typeface="+mn-cs"/>
+            </a:endParaRPr>
+          </a:p>
+        </p:txBody>
+      </p:sp>
+      <p:sp>
+        <p:nvSpPr>
+          <p:cNvPr id="5" name="Footer Placeholder 4"/>
+          <p:cNvSpPr>
+            <a:spLocks noGrp="1"/>
+          </p:cNvSpPr>
+          <p:nvPr>
+            <p:ph type="ftr" sz="quarter" idx="11"/>
+          </p:nvPr>
+        </p:nvSpPr>
+        <p:spPr/>
+        <p:txBody>
+          <a:bodyPr/>
+          <a:lstStyle/>
+          <a:p>
+            <a:pPr marL="571500" marR="0" lvl="0" indent="0" algn="l" defTabSz="914099" rtl="0" eaLnBrk="0" fontAlgn="auto" latinLnBrk="0" hangingPunct="0">
+              <a:lnSpc>
+                <a:spcPct val="100000"/>
+              </a:lnSpc>
+              <a:spcBef>
+                <a:spcPts val="0"/>
+              </a:spcBef>
+              <a:spcAft>
+                <a:spcPts val="0"/>
+              </a:spcAft>
+              <a:buClrTx/>
+              <a:buSzTx/>
+              <a:buFontTx/>
+              <a:buNone/>
+              <a:tabLst/>
+              <a:defRPr/>
+            </a:pPr>
+            <a:r>
+              <a:rPr kumimoji="0" lang="en-US" sz="400" b="0" i="0" u="none" strike="noStrike" kern="1200" cap="none" spc="0" normalizeH="0" baseline="0" noProof="0">
+                <a:ln>
+                  <a:noFill/>
+                </a:ln>
+                <a:gradFill>
+                  <a:gsLst>
+                    <a:gs pos="0">
+                      <a:prstClr val="black"/>
+                    </a:gs>
+                    <a:gs pos="100000">
+                      <a:prstClr val="black"/>
+                    </a:gs>
+                  </a:gsLst>
+                  <a:lin ang="5400000" scaled="0"/>
+                </a:gradFill>
+                <a:effectLst/>
+                <a:uLnTx/>
+                <a:uFillTx/>
+                <a:latin typeface="Segoe UI" pitchFamily="34" charset="0"/>
+                <a:ea typeface="Segoe UI" pitchFamily="34" charset="0"/>
+                <a:cs typeface="Segoe UI" pitchFamily="34" charset="0"/>
+              </a:rPr>
+              <a:t>© 2016 Microsoft Corporation. All rights reserved. MICROSOFT MAKES NO WARRANTIES, EXPRESS, IMPLIED OR STATUTORY, AS TO THE INFORMATION IN THIS PRESENTATION.</a:t>
+            </a:r>
+            <a:endParaRPr kumimoji="0" lang="en-US" sz="400" b="0" i="0" u="none" strike="noStrike" kern="1200" cap="none" spc="0" normalizeH="0" baseline="0" noProof="0" dirty="0">
+              <a:ln>
+                <a:noFill/>
+              </a:ln>
+              <a:gradFill>
+                <a:gsLst>
+                  <a:gs pos="0">
+                    <a:prstClr val="black"/>
+                  </a:gs>
+                  <a:gs pos="100000">
+                    <a:prstClr val="black"/>
+                  </a:gs>
+                </a:gsLst>
+                <a:lin ang="5400000" scaled="0"/>
+              </a:gradFill>
+              <a:effectLst/>
+              <a:uLnTx/>
+              <a:uFillTx/>
+              <a:latin typeface="Segoe UI" pitchFamily="34" charset="0"/>
+              <a:ea typeface="Segoe UI" pitchFamily="34" charset="0"/>
+              <a:cs typeface="Segoe UI" pitchFamily="34" charset="0"/>
+            </a:endParaRPr>
+          </a:p>
+        </p:txBody>
+      </p:sp>
+      <p:sp>
+        <p:nvSpPr>
+          <p:cNvPr id="6" name="Date Placeholder 5"/>
+          <p:cNvSpPr>
+            <a:spLocks noGrp="1"/>
+          </p:cNvSpPr>
+          <p:nvPr>
+            <p:ph type="dt" idx="12"/>
+          </p:nvPr>
+        </p:nvSpPr>
+        <p:spPr/>
+        <p:txBody>
+          <a:bodyPr/>
+          <a:lstStyle/>
+          <a:p>
+            <a:pPr marL="0" marR="0" lvl="0" indent="0" algn="r" defTabSz="932742" rtl="0" eaLnBrk="1" fontAlgn="auto" latinLnBrk="0" hangingPunct="1">
+              <a:lnSpc>
+                <a:spcPct val="100000"/>
+              </a:lnSpc>
+              <a:spcBef>
+                <a:spcPts val="0"/>
+              </a:spcBef>
+              <a:spcAft>
+                <a:spcPts val="0"/>
+              </a:spcAft>
+              <a:buClrTx/>
+              <a:buSzTx/>
+              <a:buFontTx/>
+              <a:buNone/>
+              <a:tabLst/>
+              <a:defRPr/>
+            </a:pPr>
+            <a:fld id="{38EEC551-8CDA-4EB6-89BB-2A86C9F091C8}" type="datetime8">
+              <a:rPr kumimoji="0" lang="en-US" sz="1200" b="0" i="0" u="none" strike="noStrike" kern="1200" cap="none" spc="0" normalizeH="0" baseline="0" noProof="0" smtClean="0">
+                <a:ln>
+                  <a:noFill/>
+                </a:ln>
+                <a:solidFill>
+                  <a:prstClr val="black"/>
+                </a:solidFill>
+                <a:effectLst/>
+                <a:uLnTx/>
+                <a:uFillTx/>
+                <a:latin typeface="Segoe UI" pitchFamily="34" charset="0"/>
+                <a:ea typeface="+mn-ea"/>
+                <a:cs typeface="+mn-cs"/>
+              </a:rPr>
+              <a:pPr marL="0" marR="0" lvl="0" indent="0" algn="r" defTabSz="932742" rtl="0" eaLnBrk="1" fontAlgn="auto" latinLnBrk="0" hangingPunct="1">
+                <a:lnSpc>
+                  <a:spcPct val="100000"/>
+                </a:lnSpc>
+                <a:spcBef>
+                  <a:spcPts val="0"/>
+                </a:spcBef>
+                <a:spcAft>
+                  <a:spcPts val="0"/>
+                </a:spcAft>
+                <a:buClrTx/>
+                <a:buSzTx/>
+                <a:buFontTx/>
+                <a:buNone/>
+                <a:tabLst/>
+                <a:defRPr/>
+              </a:pPr>
+              <a:t>12/9/2018 5:18 PM</a:t>
+            </a:fld>
+            <a:endParaRPr kumimoji="0" lang="en-US" sz="1200" b="0" i="0" u="none" strike="noStrike" kern="1200" cap="none" spc="0" normalizeH="0" baseline="0" noProof="0" dirty="0">
+              <a:ln>
+                <a:noFill/>
+              </a:ln>
+              <a:solidFill>
+                <a:prstClr val="black"/>
+              </a:solidFill>
+              <a:effectLst/>
+              <a:uLnTx/>
+              <a:uFillTx/>
+              <a:latin typeface="Segoe UI" pitchFamily="34" charset="0"/>
+              <a:ea typeface="+mn-ea"/>
+              <a:cs typeface="+mn-cs"/>
+            </a:endParaRPr>
+          </a:p>
+        </p:txBody>
+      </p:sp>
+      <p:sp>
+        <p:nvSpPr>
+          <p:cNvPr id="7" name="Slide Number Placeholder 6"/>
+          <p:cNvSpPr>
+            <a:spLocks noGrp="1"/>
+          </p:cNvSpPr>
+          <p:nvPr>
+            <p:ph type="sldNum" sz="quarter" idx="13"/>
+          </p:nvPr>
+        </p:nvSpPr>
+        <p:spPr/>
+        <p:txBody>
+          <a:bodyPr/>
+          <a:lstStyle/>
+          <a:p>
+            <a:pPr marL="0" marR="0" lvl="0" indent="0" algn="r" defTabSz="932742" rtl="0" eaLnBrk="1" fontAlgn="auto" latinLnBrk="0" hangingPunct="1">
+              <a:lnSpc>
+                <a:spcPct val="100000"/>
+              </a:lnSpc>
+              <a:spcBef>
+                <a:spcPts val="0"/>
+              </a:spcBef>
+              <a:spcAft>
+                <a:spcPts val="0"/>
+              </a:spcAft>
+              <a:buClrTx/>
+              <a:buSzTx/>
+              <a:buFontTx/>
+              <a:buNone/>
+              <a:tabLst/>
+              <a:defRPr/>
+            </a:pPr>
+            <a:fld id="{B4008EB6-D09E-4580-8CD6-DDB14511944F}" type="slidenum">
+              <a:rPr kumimoji="0" lang="en-US" sz="1200" b="0" i="0" u="none" strike="noStrike" kern="1200" cap="none" spc="0" normalizeH="0" baseline="0" noProof="0" smtClean="0">
+                <a:ln>
+                  <a:noFill/>
+                </a:ln>
+                <a:solidFill>
+                  <a:prstClr val="black"/>
+                </a:solidFill>
+                <a:effectLst/>
+                <a:uLnTx/>
+                <a:uFillTx/>
+                <a:latin typeface="Segoe UI" pitchFamily="34" charset="0"/>
+                <a:ea typeface="+mn-ea"/>
+                <a:cs typeface="+mn-cs"/>
+              </a:rPr>
+              <a:pPr marL="0" marR="0" lvl="0" indent="0" algn="r" defTabSz="932742" rtl="0" eaLnBrk="1" fontAlgn="auto" latinLnBrk="0" hangingPunct="1">
+                <a:lnSpc>
+                  <a:spcPct val="100000"/>
+                </a:lnSpc>
+                <a:spcBef>
+                  <a:spcPts val="0"/>
+                </a:spcBef>
+                <a:spcAft>
+                  <a:spcPts val="0"/>
+                </a:spcAft>
+                <a:buClrTx/>
+                <a:buSzTx/>
+                <a:buFontTx/>
+                <a:buNone/>
+                <a:tabLst/>
+                <a:defRPr/>
+              </a:pPr>
+              <a:t>18</a:t>
+            </a:fld>
+            <a:endParaRPr kumimoji="0" lang="en-US" sz="1200" b="0" i="0" u="none" strike="noStrike" kern="1200" cap="none" spc="0" normalizeH="0" baseline="0" noProof="0" dirty="0">
+              <a:ln>
+                <a:noFill/>
+              </a:ln>
+              <a:solidFill>
+                <a:prstClr val="black"/>
+              </a:solidFill>
+              <a:effectLst/>
+              <a:uLnTx/>
+              <a:uFillTx/>
+              <a:latin typeface="Segoe UI" pitchFamily="34" charset="0"/>
+              <a:ea typeface="+mn-ea"/>
+              <a:cs typeface="+mn-cs"/>
+            </a:endParaRPr>
+          </a:p>
+        </p:txBody>
+      </p:sp>
+    </p:spTree>
+    <p:extLst>
+      <p:ext uri="{BB962C8B-B14F-4D97-AF65-F5344CB8AC3E}">
+        <p14:creationId xmlns:p14="http://schemas.microsoft.com/office/powerpoint/2010/main" val="1835416534"/>
+      </p:ext>
+    </p:extLst>
+  </p:cSld>
+  <p:clrMapOvr>
+    <a:masterClrMapping/>
+  </p:clrMapOvr>
+</p:notes>
+</file>
+
+<file path=ppt/notesSlides/notesSlide9.xml><?xml version="1.0" encoding="utf-8"?>
 <p:notes xmlns:a="http://schemas.openxmlformats.org/drawingml/2006/main" xmlns:r="http://schemas.openxmlformats.org/officeDocument/2006/relationships" xmlns:p="http://schemas.openxmlformats.org/presentationml/2006/main">
   <p:cSld>
     <p:spTree>
@@ -2043,7 +2546,7 @@
               <a:pPr>
                 <a:defRPr/>
               </a:pPr>
-              <a:t>16. Dezember 2016</a:t>
+              <a:t>9. Dezember 2018</a:t>
             </a:fld>
             <a:r>
               <a:rPr lang="de-DE"/>
@@ -2075,7 +2578,7 @@
               <a:pPr>
                 <a:defRPr/>
               </a:pPr>
-              <a:t>18</a:t>
+              <a:t>19</a:t>
             </a:fld>
             <a:endParaRPr lang="de-DE"/>
           </a:p>
@@ -2085,130 +2588,6 @@
     <p:extLst>
       <p:ext uri="{BB962C8B-B14F-4D97-AF65-F5344CB8AC3E}">
         <p14:creationId xmlns:p14="http://schemas.microsoft.com/office/powerpoint/2010/main" val="2026466163"/>
-      </p:ext>
-    </p:extLst>
-  </p:cSld>
-  <p:clrMapOvr>
-    <a:masterClrMapping/>
-  </p:clrMapOvr>
-</p:notes>
-</file>
-
-<file path=ppt/notesSlides/notesSlide9.xml><?xml version="1.0" encoding="utf-8"?>
-<p:notes xmlns:a="http://schemas.openxmlformats.org/drawingml/2006/main" xmlns:r="http://schemas.openxmlformats.org/officeDocument/2006/relationships" xmlns:p="http://schemas.openxmlformats.org/presentationml/2006/main">
-  <p:cSld>
-    <p:spTree>
-      <p:nvGrpSpPr>
-        <p:cNvPr id="1" name=""/>
-        <p:cNvGrpSpPr/>
-        <p:nvPr/>
-      </p:nvGrpSpPr>
-      <p:grpSpPr>
-        <a:xfrm>
-          <a:off x="0" y="0"/>
-          <a:ext cx="0" cy="0"/>
-          <a:chOff x="0" y="0"/>
-          <a:chExt cx="0" cy="0"/>
-        </a:xfrm>
-      </p:grpSpPr>
-      <p:sp>
-        <p:nvSpPr>
-          <p:cNvPr id="2" name="Platshållare för bildobjekt 1"/>
-          <p:cNvSpPr>
-            <a:spLocks noGrp="1" noRot="1" noChangeAspect="1"/>
-          </p:cNvSpPr>
-          <p:nvPr>
-            <p:ph type="sldImg"/>
-          </p:nvPr>
-        </p:nvSpPr>
-        <p:spPr/>
-      </p:sp>
-      <p:sp>
-        <p:nvSpPr>
-          <p:cNvPr id="3" name="Platshållare för anteckningar 2"/>
-          <p:cNvSpPr>
-            <a:spLocks noGrp="1"/>
-          </p:cNvSpPr>
-          <p:nvPr>
-            <p:ph type="body" idx="1"/>
-          </p:nvPr>
-        </p:nvSpPr>
-        <p:spPr/>
-        <p:txBody>
-          <a:bodyPr>
-            <a:normAutofit/>
-          </a:bodyPr>
-          <a:lstStyle/>
-          <a:p>
-            <a:endParaRPr lang="en-GB"/>
-          </a:p>
-        </p:txBody>
-      </p:sp>
-      <p:sp>
-        <p:nvSpPr>
-          <p:cNvPr id="4" name="Platshållare för sidfot 3"/>
-          <p:cNvSpPr>
-            <a:spLocks noGrp="1"/>
-          </p:cNvSpPr>
-          <p:nvPr>
-            <p:ph type="ftr" sz="quarter" idx="10"/>
-          </p:nvPr>
-        </p:nvSpPr>
-        <p:spPr/>
-        <p:txBody>
-          <a:bodyPr/>
-          <a:lstStyle/>
-          <a:p>
-            <a:pPr>
-              <a:defRPr/>
-            </a:pPr>
-            <a:fld id="{98144E35-40E7-4AAB-A5E9-3235710F6BE9}" type="datetime4">
-              <a:rPr lang="de-DE" smtClean="0"/>
-              <a:pPr>
-                <a:defRPr/>
-              </a:pPr>
-              <a:t>16. Dezember 2016</a:t>
-            </a:fld>
-            <a:r>
-              <a:rPr lang="de-DE"/>
-              <a:t> | Title of Presentation</a:t>
-            </a:r>
-          </a:p>
-        </p:txBody>
-      </p:sp>
-      <p:sp>
-        <p:nvSpPr>
-          <p:cNvPr id="5" name="Platshållare för bildnummer 4"/>
-          <p:cNvSpPr>
-            <a:spLocks noGrp="1"/>
-          </p:cNvSpPr>
-          <p:nvPr>
-            <p:ph type="sldNum" sz="quarter" idx="11"/>
-          </p:nvPr>
-        </p:nvSpPr>
-        <p:spPr/>
-        <p:txBody>
-          <a:bodyPr/>
-          <a:lstStyle/>
-          <a:p>
-            <a:pPr>
-              <a:defRPr/>
-            </a:pPr>
-            <a:fld id="{1BC88096-720D-4455-BB96-AB0C9EDCD546}" type="slidenum">
-              <a:rPr lang="de-DE" smtClean="0"/>
-              <a:pPr>
-                <a:defRPr/>
-              </a:pPr>
-              <a:t>21</a:t>
-            </a:fld>
-            <a:endParaRPr lang="de-DE"/>
-          </a:p>
-        </p:txBody>
-      </p:sp>
-    </p:spTree>
-    <p:extLst>
-      <p:ext uri="{BB962C8B-B14F-4D97-AF65-F5344CB8AC3E}">
-        <p14:creationId xmlns:p14="http://schemas.microsoft.com/office/powerpoint/2010/main" val="2407380387"/>
       </p:ext>
     </p:extLst>
   </p:cSld>
@@ -2347,7 +2726,7 @@
           <a:p>
             <a:fld id="{7A187A68-229F-417C-9E23-A9AD3F41E637}" type="datetimeFigureOut">
               <a:rPr lang="en-US" smtClean="0"/>
-              <a:t>12/16/2016</a:t>
+              <a:t>12/9/2018</a:t>
             </a:fld>
             <a:endParaRPr lang="en-US"/>
           </a:p>
@@ -2515,7 +2894,7 @@
           <a:p>
             <a:fld id="{7A187A68-229F-417C-9E23-A9AD3F41E637}" type="datetimeFigureOut">
               <a:rPr lang="en-US" smtClean="0"/>
-              <a:t>12/16/2016</a:t>
+              <a:t>12/9/2018</a:t>
             </a:fld>
             <a:endParaRPr lang="en-US"/>
           </a:p>
@@ -2693,7 +3072,7 @@
           <a:p>
             <a:fld id="{7A187A68-229F-417C-9E23-A9AD3F41E637}" type="datetimeFigureOut">
               <a:rPr lang="en-US" smtClean="0"/>
-              <a:t>12/16/2016</a:t>
+              <a:t>12/9/2018</a:t>
             </a:fld>
             <a:endParaRPr lang="en-US"/>
           </a:p>
@@ -4210,7 +4589,7 @@
           <a:p>
             <a:fld id="{7A187A68-229F-417C-9E23-A9AD3F41E637}" type="datetimeFigureOut">
               <a:rPr lang="en-US" smtClean="0"/>
-              <a:t>12/16/2016</a:t>
+              <a:t>12/9/2018</a:t>
             </a:fld>
             <a:endParaRPr lang="en-US"/>
           </a:p>
@@ -5541,7 +5920,7 @@
           <a:p>
             <a:fld id="{7A187A68-229F-417C-9E23-A9AD3F41E637}" type="datetimeFigureOut">
               <a:rPr lang="en-US" smtClean="0"/>
-              <a:t>12/16/2016</a:t>
+              <a:t>12/9/2018</a:t>
             </a:fld>
             <a:endParaRPr lang="en-US"/>
           </a:p>
@@ -5770,7 +6149,7 @@
           <a:p>
             <a:fld id="{7A187A68-229F-417C-9E23-A9AD3F41E637}" type="datetimeFigureOut">
               <a:rPr lang="en-US" smtClean="0"/>
-              <a:t>12/16/2016</a:t>
+              <a:t>12/9/2018</a:t>
             </a:fld>
             <a:endParaRPr lang="en-US"/>
           </a:p>
@@ -6134,7 +6513,7 @@
           <a:p>
             <a:fld id="{7A187A68-229F-417C-9E23-A9AD3F41E637}" type="datetimeFigureOut">
               <a:rPr lang="en-US" smtClean="0"/>
-              <a:t>12/16/2016</a:t>
+              <a:t>12/9/2018</a:t>
             </a:fld>
             <a:endParaRPr lang="en-US"/>
           </a:p>
@@ -6251,7 +6630,7 @@
           <a:p>
             <a:fld id="{7A187A68-229F-417C-9E23-A9AD3F41E637}" type="datetimeFigureOut">
               <a:rPr lang="en-US" smtClean="0"/>
-              <a:t>12/16/2016</a:t>
+              <a:t>12/9/2018</a:t>
             </a:fld>
             <a:endParaRPr lang="en-US"/>
           </a:p>
@@ -6346,7 +6725,7 @@
           <a:p>
             <a:fld id="{7A187A68-229F-417C-9E23-A9AD3F41E637}" type="datetimeFigureOut">
               <a:rPr lang="en-US" smtClean="0"/>
-              <a:t>12/16/2016</a:t>
+              <a:t>12/9/2018</a:t>
             </a:fld>
             <a:endParaRPr lang="en-US"/>
           </a:p>
@@ -6621,7 +7000,7 @@
           <a:p>
             <a:fld id="{7A187A68-229F-417C-9E23-A9AD3F41E637}" type="datetimeFigureOut">
               <a:rPr lang="en-US" smtClean="0"/>
-              <a:t>12/16/2016</a:t>
+              <a:t>12/9/2018</a:t>
             </a:fld>
             <a:endParaRPr lang="en-US"/>
           </a:p>
@@ -6873,7 +7252,7 @@
           <a:p>
             <a:fld id="{7A187A68-229F-417C-9E23-A9AD3F41E637}" type="datetimeFigureOut">
               <a:rPr lang="en-US" smtClean="0"/>
-              <a:t>12/16/2016</a:t>
+              <a:t>12/9/2018</a:t>
             </a:fld>
             <a:endParaRPr lang="en-US"/>
           </a:p>
@@ -7084,7 +7463,7 @@
           <a:p>
             <a:fld id="{7A187A68-229F-417C-9E23-A9AD3F41E637}" type="datetimeFigureOut">
               <a:rPr lang="en-US" smtClean="0"/>
-              <a:t>12/16/2016</a:t>
+              <a:t>12/9/2018</a:t>
             </a:fld>
             <a:endParaRPr lang="en-US"/>
           </a:p>
@@ -13540,9 +13919,15 @@
       </p:grpSpPr>
       <p:sp>
         <p:nvSpPr>
-          <p:cNvPr id="5123" name="Rectangle 2"/>
+          <p:cNvPr id="24" name="Title 23">
+            <a:extLst>
+              <a:ext uri="{FF2B5EF4-FFF2-40B4-BE49-F238E27FC236}">
+                <a16:creationId xmlns:a16="http://schemas.microsoft.com/office/drawing/2014/main" id="{5BFE5EAF-54BC-4C50-BF97-76A013AE73C6}"/>
+              </a:ext>
+            </a:extLst>
+          </p:cNvPr>
           <p:cNvSpPr>
-            <a:spLocks noGrp="1" noChangeArrowheads="1"/>
+            <a:spLocks noGrp="1"/>
           </p:cNvSpPr>
           <p:nvPr>
             <p:ph type="title"/>
@@ -13555,44 +13940,223 @@
           <a:p>
             <a:r>
               <a:rPr lang="en-US" dirty="0"/>
-              <a:t>Lesson 2: Custom Adapters</a:t>
+              <a:t>Logic App Adapter</a:t>
             </a:r>
           </a:p>
         </p:txBody>
       </p:sp>
+      <p:pic>
+        <p:nvPicPr>
+          <p:cNvPr id="32" name="Content Placeholder 31">
+            <a:extLst>
+              <a:ext uri="{FF2B5EF4-FFF2-40B4-BE49-F238E27FC236}">
+                <a16:creationId xmlns:a16="http://schemas.microsoft.com/office/drawing/2014/main" id="{4AFACD35-9CE0-4FD3-AB2F-942905794800}"/>
+              </a:ext>
+            </a:extLst>
+          </p:cNvPr>
+          <p:cNvPicPr>
+            <a:picLocks noGrp="1" noChangeAspect="1"/>
+          </p:cNvPicPr>
+          <p:nvPr>
+            <p:ph idx="1"/>
+          </p:nvPr>
+        </p:nvPicPr>
+        <p:blipFill>
+          <a:blip r:embed="rId3">
+            <a:extLst>
+              <a:ext uri="{28A0092B-C50C-407E-A947-70E740481C1C}">
+                <a14:useLocalDpi xmlns:a14="http://schemas.microsoft.com/office/drawing/2010/main" val="0"/>
+              </a:ext>
+            </a:extLst>
+          </a:blip>
+          <a:stretch>
+            <a:fillRect/>
+          </a:stretch>
+        </p:blipFill>
+        <p:spPr>
+          <a:xfrm>
+            <a:off x="3919920" y="1478076"/>
+            <a:ext cx="1548580" cy="4104085"/>
+          </a:xfrm>
+        </p:spPr>
+      </p:pic>
       <p:sp>
         <p:nvSpPr>
-          <p:cNvPr id="6147" name="Rectangle 3"/>
-          <p:cNvSpPr>
-            <a:spLocks noGrp="1" noChangeArrowheads="1"/>
-          </p:cNvSpPr>
-          <p:nvPr>
-            <p:ph type="body" idx="1"/>
-          </p:nvPr>
+          <p:cNvPr id="33" name="TextBox 32">
+            <a:extLst>
+              <a:ext uri="{FF2B5EF4-FFF2-40B4-BE49-F238E27FC236}">
+                <a16:creationId xmlns:a16="http://schemas.microsoft.com/office/drawing/2014/main" id="{E536502B-BA45-443D-9CCE-35039E2603CB}"/>
+              </a:ext>
+            </a:extLst>
+          </p:cNvPr>
+          <p:cNvSpPr txBox="1"/>
+          <p:nvPr/>
         </p:nvSpPr>
-        <p:spPr/>
+        <p:spPr>
+          <a:xfrm>
+            <a:off x="6019120" y="2600325"/>
+            <a:ext cx="2449286" cy="1477328"/>
+          </a:xfrm>
+          <a:prstGeom prst="rect">
+            <a:avLst/>
+          </a:prstGeom>
+          <a:noFill/>
+        </p:spPr>
         <p:txBody>
-          <a:bodyPr/>
+          <a:bodyPr wrap="square" rtlCol="0">
+            <a:spAutoFit/>
+          </a:bodyPr>
           <a:lstStyle/>
           <a:p>
-            <a:pPr marL="342900" indent="-342900">
-              <a:buFont typeface="Wingdings" pitchFamily="2" charset="2"/>
-              <a:buChar char="§"/>
-            </a:pPr>
-            <a:r>
-              <a:rPr lang="en-US" dirty="0"/>
-              <a:t>Developing custom adapters</a:t>
-            </a:r>
-          </a:p>
-          <a:p>
-            <a:endParaRPr lang="en-US" dirty="0"/>
+            <a:r>
+              <a:rPr lang="en-US" sz="3000" dirty="0"/>
+              <a:t>200 Connectors/Adapters</a:t>
+            </a:r>
           </a:p>
         </p:txBody>
       </p:sp>
+      <p:grpSp>
+        <p:nvGrpSpPr>
+          <p:cNvPr id="35" name="Group 34">
+            <a:extLst>
+              <a:ext uri="{FF2B5EF4-FFF2-40B4-BE49-F238E27FC236}">
+                <a16:creationId xmlns:a16="http://schemas.microsoft.com/office/drawing/2014/main" id="{BD91449A-25D8-4030-A201-9C5B8EBD12DE}"/>
+              </a:ext>
+            </a:extLst>
+          </p:cNvPr>
+          <p:cNvGrpSpPr/>
+          <p:nvPr/>
+        </p:nvGrpSpPr>
+        <p:grpSpPr>
+          <a:xfrm>
+            <a:off x="427624" y="3409488"/>
+            <a:ext cx="2174198" cy="645082"/>
+            <a:chOff x="3275286" y="2567590"/>
+            <a:chExt cx="5453385" cy="1618012"/>
+          </a:xfrm>
+        </p:grpSpPr>
+        <p:pic>
+          <p:nvPicPr>
+            <p:cNvPr id="36" name="Picture 35">
+              <a:extLst>
+                <a:ext uri="{FF2B5EF4-FFF2-40B4-BE49-F238E27FC236}">
+                  <a16:creationId xmlns:a16="http://schemas.microsoft.com/office/drawing/2014/main" id="{1A8E889C-7D98-4F85-B47E-BB43A3D19CC0}"/>
+                </a:ext>
+              </a:extLst>
+            </p:cNvPr>
+            <p:cNvPicPr>
+              <a:picLocks noChangeAspect="1"/>
+            </p:cNvPicPr>
+            <p:nvPr/>
+          </p:nvPicPr>
+          <p:blipFill>
+            <a:blip r:embed="rId4" cstate="print">
+              <a:extLst>
+                <a:ext uri="{28A0092B-C50C-407E-A947-70E740481C1C}">
+                  <a14:useLocalDpi xmlns:a14="http://schemas.microsoft.com/office/drawing/2010/main" val="0"/>
+                </a:ext>
+              </a:extLst>
+            </a:blip>
+            <a:stretch>
+              <a:fillRect/>
+            </a:stretch>
+          </p:blipFill>
+          <p:spPr>
+            <a:xfrm>
+              <a:off x="3275286" y="2764001"/>
+              <a:ext cx="1370114" cy="1141762"/>
+            </a:xfrm>
+            <a:prstGeom prst="rect">
+              <a:avLst/>
+            </a:prstGeom>
+          </p:spPr>
+        </p:pic>
+        <p:pic>
+          <p:nvPicPr>
+            <p:cNvPr id="37" name="Picture 36" descr="A close up of a sign&#10;&#10;Description generated with very high confidence">
+              <a:extLst>
+                <a:ext uri="{FF2B5EF4-FFF2-40B4-BE49-F238E27FC236}">
+                  <a16:creationId xmlns:a16="http://schemas.microsoft.com/office/drawing/2014/main" id="{ED7BA159-4CEA-454F-97D7-998254E55DAC}"/>
+                </a:ext>
+              </a:extLst>
+            </p:cNvPr>
+            <p:cNvPicPr>
+              <a:picLocks noChangeAspect="1"/>
+            </p:cNvPicPr>
+            <p:nvPr/>
+          </p:nvPicPr>
+          <p:blipFill>
+            <a:blip r:embed="rId5" cstate="print">
+              <a:extLst>
+                <a:ext uri="{28A0092B-C50C-407E-A947-70E740481C1C}">
+                  <a14:useLocalDpi xmlns:a14="http://schemas.microsoft.com/office/drawing/2010/main" val="0"/>
+                </a:ext>
+              </a:extLst>
+            </a:blip>
+            <a:stretch>
+              <a:fillRect/>
+            </a:stretch>
+          </p:blipFill>
+          <p:spPr>
+            <a:xfrm>
+              <a:off x="6787056" y="2567590"/>
+              <a:ext cx="1941615" cy="1618012"/>
+            </a:xfrm>
+            <a:prstGeom prst="rect">
+              <a:avLst/>
+            </a:prstGeom>
+          </p:spPr>
+        </p:pic>
+        <p:cxnSp>
+          <p:nvCxnSpPr>
+            <p:cNvPr id="38" name="Straight Arrow Connector 37">
+              <a:extLst>
+                <a:ext uri="{FF2B5EF4-FFF2-40B4-BE49-F238E27FC236}">
+                  <a16:creationId xmlns:a16="http://schemas.microsoft.com/office/drawing/2014/main" id="{C386D681-69E7-4FF0-8F65-4B13DEB82F9F}"/>
+                </a:ext>
+              </a:extLst>
+            </p:cNvPr>
+            <p:cNvCxnSpPr>
+              <a:cxnSpLocks/>
+            </p:cNvCxnSpPr>
+            <p:nvPr/>
+          </p:nvCxnSpPr>
+          <p:spPr>
+            <a:xfrm flipV="1">
+              <a:off x="5001511" y="3326415"/>
+              <a:ext cx="1805153" cy="8467"/>
+            </a:xfrm>
+            <a:prstGeom prst="straightConnector1">
+              <a:avLst/>
+            </a:prstGeom>
+            <a:ln w="38100">
+              <a:solidFill>
+                <a:schemeClr val="tx1"/>
+              </a:solidFill>
+              <a:headEnd type="triangle"/>
+              <a:tailEnd type="triangle"/>
+            </a:ln>
+          </p:spPr>
+          <p:style>
+            <a:lnRef idx="1">
+              <a:schemeClr val="accent1"/>
+            </a:lnRef>
+            <a:fillRef idx="0">
+              <a:schemeClr val="accent1"/>
+            </a:fillRef>
+            <a:effectRef idx="0">
+              <a:schemeClr val="accent1"/>
+            </a:effectRef>
+            <a:fontRef idx="minor">
+              <a:schemeClr val="tx1"/>
+            </a:fontRef>
+          </p:style>
+        </p:cxnSp>
+      </p:grpSp>
     </p:spTree>
     <p:extLst>
       <p:ext uri="{BB962C8B-B14F-4D97-AF65-F5344CB8AC3E}">
-        <p14:creationId xmlns:p14="http://schemas.microsoft.com/office/powerpoint/2010/main" val="2234461590"/>
+        <p14:creationId xmlns:p14="http://schemas.microsoft.com/office/powerpoint/2010/main" val="2572584608"/>
       </p:ext>
     </p:extLst>
   </p:cSld>
@@ -13621,9 +14185,9 @@
       </p:grpSpPr>
       <p:sp>
         <p:nvSpPr>
-          <p:cNvPr id="2" name="Title 1"/>
+          <p:cNvPr id="5123" name="Rectangle 2"/>
           <p:cNvSpPr>
-            <a:spLocks noGrp="1"/>
+            <a:spLocks noGrp="1" noChangeArrowheads="1"/>
           </p:cNvSpPr>
           <p:nvPr>
             <p:ph type="title"/>
@@ -13635,21 +14199,20 @@
           <a:lstStyle/>
           <a:p>
             <a:r>
-              <a:rPr lang="sv-SE"/>
-              <a:t>Custom Adapters</a:t>
-            </a:r>
-            <a:endParaRPr lang="sv-SE" dirty="0"/>
+              <a:rPr lang="en-US" dirty="0"/>
+              <a:t>Lesson 2: Custom Adapters</a:t>
+            </a:r>
           </a:p>
         </p:txBody>
       </p:sp>
       <p:sp>
         <p:nvSpPr>
-          <p:cNvPr id="3" name="Content Placeholder 2"/>
+          <p:cNvPr id="6147" name="Rectangle 3"/>
           <p:cNvSpPr>
-            <a:spLocks noGrp="1"/>
+            <a:spLocks noGrp="1" noChangeArrowheads="1"/>
           </p:cNvSpPr>
           <p:nvPr>
-            <p:ph idx="1"/>
+            <p:ph type="body" idx="1"/>
           </p:nvPr>
         </p:nvSpPr>
         <p:spPr/>
@@ -13657,79 +14220,24 @@
           <a:bodyPr/>
           <a:lstStyle/>
           <a:p>
-            <a:r>
-              <a:rPr lang="sv-SE"/>
-              <a:t>Developed as a c# class library</a:t>
-            </a:r>
-          </a:p>
-          <a:p>
-            <a:r>
-              <a:rPr lang="sv-SE"/>
-              <a:t>Use the BizTalk Adapter Framework</a:t>
-            </a:r>
-          </a:p>
-          <a:p>
-            <a:pPr lvl="1"/>
-            <a:r>
-              <a:rPr lang="sv-SE"/>
-              <a:t>Still viable, might not be preferred</a:t>
-            </a:r>
-          </a:p>
-          <a:p>
-            <a:pPr lvl="1"/>
-            <a:r>
-              <a:rPr lang="sv-SE"/>
-              <a:t>API to BizTalk shared services</a:t>
-            </a:r>
-          </a:p>
-          <a:p>
-            <a:pPr lvl="1"/>
-            <a:r>
-              <a:rPr lang="sv-SE"/>
-              <a:t>Templates and samples for creating custom adapters</a:t>
-            </a:r>
-          </a:p>
-          <a:p>
-            <a:pPr lvl="1"/>
-            <a:r>
-              <a:rPr lang="sv-SE"/>
-              <a:t>Works like any built in adapter</a:t>
-            </a:r>
-          </a:p>
-          <a:p>
-            <a:r>
-              <a:rPr lang="sv-SE"/>
-              <a:t>Use the WCF LOB Adapter SDK</a:t>
-            </a:r>
-          </a:p>
-          <a:p>
-            <a:pPr lvl="1"/>
-            <a:r>
-              <a:rPr lang="sv-SE"/>
-              <a:t>New initiative from Microsoft</a:t>
-            </a:r>
-          </a:p>
-          <a:p>
-            <a:pPr lvl="1"/>
-            <a:r>
-              <a:rPr lang="sv-SE"/>
-              <a:t>Not really BizTalk – WCF!</a:t>
-            </a:r>
-          </a:p>
-          <a:p>
-            <a:pPr lvl="1"/>
-            <a:r>
-              <a:rPr lang="sv-SE"/>
-              <a:t>Use through WCF-Custom/CustomIsolated adapter as a binding.</a:t>
-            </a:r>
-            <a:endParaRPr lang="sv-SE" dirty="0"/>
+            <a:pPr marL="342900" indent="-342900">
+              <a:buFont typeface="Wingdings" pitchFamily="2" charset="2"/>
+              <a:buChar char="§"/>
+            </a:pPr>
+            <a:r>
+              <a:rPr lang="en-US" dirty="0"/>
+              <a:t>Developing custom adapters</a:t>
+            </a:r>
+          </a:p>
+          <a:p>
+            <a:endParaRPr lang="en-US" dirty="0"/>
           </a:p>
         </p:txBody>
       </p:sp>
     </p:spTree>
     <p:extLst>
       <p:ext uri="{BB962C8B-B14F-4D97-AF65-F5344CB8AC3E}">
-        <p14:creationId xmlns:p14="http://schemas.microsoft.com/office/powerpoint/2010/main" val="1265377167"/>
+        <p14:creationId xmlns:p14="http://schemas.microsoft.com/office/powerpoint/2010/main" val="2234461590"/>
       </p:ext>
     </p:extLst>
   </p:cSld>
@@ -14378,6 +14886,143 @@
       </p:grpSpPr>
       <p:sp>
         <p:nvSpPr>
+          <p:cNvPr id="2" name="Title 1"/>
+          <p:cNvSpPr>
+            <a:spLocks noGrp="1"/>
+          </p:cNvSpPr>
+          <p:nvPr>
+            <p:ph type="title"/>
+          </p:nvPr>
+        </p:nvSpPr>
+        <p:spPr/>
+        <p:txBody>
+          <a:bodyPr/>
+          <a:lstStyle/>
+          <a:p>
+            <a:r>
+              <a:rPr lang="sv-SE"/>
+              <a:t>Custom Adapters</a:t>
+            </a:r>
+            <a:endParaRPr lang="sv-SE" dirty="0"/>
+          </a:p>
+        </p:txBody>
+      </p:sp>
+      <p:sp>
+        <p:nvSpPr>
+          <p:cNvPr id="3" name="Content Placeholder 2"/>
+          <p:cNvSpPr>
+            <a:spLocks noGrp="1"/>
+          </p:cNvSpPr>
+          <p:nvPr>
+            <p:ph idx="1"/>
+          </p:nvPr>
+        </p:nvSpPr>
+        <p:spPr/>
+        <p:txBody>
+          <a:bodyPr/>
+          <a:lstStyle/>
+          <a:p>
+            <a:r>
+              <a:rPr lang="sv-SE"/>
+              <a:t>Developed as a c# class library</a:t>
+            </a:r>
+          </a:p>
+          <a:p>
+            <a:r>
+              <a:rPr lang="sv-SE"/>
+              <a:t>Use the BizTalk Adapter Framework</a:t>
+            </a:r>
+          </a:p>
+          <a:p>
+            <a:pPr lvl="1"/>
+            <a:r>
+              <a:rPr lang="sv-SE"/>
+              <a:t>Still viable, might not be preferred</a:t>
+            </a:r>
+          </a:p>
+          <a:p>
+            <a:pPr lvl="1"/>
+            <a:r>
+              <a:rPr lang="sv-SE"/>
+              <a:t>API to BizTalk shared services</a:t>
+            </a:r>
+          </a:p>
+          <a:p>
+            <a:pPr lvl="1"/>
+            <a:r>
+              <a:rPr lang="sv-SE"/>
+              <a:t>Templates and samples for creating custom adapters</a:t>
+            </a:r>
+          </a:p>
+          <a:p>
+            <a:pPr lvl="1"/>
+            <a:r>
+              <a:rPr lang="sv-SE"/>
+              <a:t>Works like any built in adapter</a:t>
+            </a:r>
+          </a:p>
+          <a:p>
+            <a:r>
+              <a:rPr lang="sv-SE"/>
+              <a:t>Use the WCF LOB Adapter SDK</a:t>
+            </a:r>
+          </a:p>
+          <a:p>
+            <a:pPr lvl="1"/>
+            <a:r>
+              <a:rPr lang="sv-SE"/>
+              <a:t>New initiative from Microsoft</a:t>
+            </a:r>
+          </a:p>
+          <a:p>
+            <a:pPr lvl="1"/>
+            <a:r>
+              <a:rPr lang="sv-SE"/>
+              <a:t>Not really BizTalk – WCF!</a:t>
+            </a:r>
+          </a:p>
+          <a:p>
+            <a:pPr lvl="1"/>
+            <a:r>
+              <a:rPr lang="sv-SE"/>
+              <a:t>Use through WCF-Custom/CustomIsolated adapter as a binding.</a:t>
+            </a:r>
+            <a:endParaRPr lang="sv-SE" dirty="0"/>
+          </a:p>
+        </p:txBody>
+      </p:sp>
+    </p:spTree>
+    <p:extLst>
+      <p:ext uri="{BB962C8B-B14F-4D97-AF65-F5344CB8AC3E}">
+        <p14:creationId xmlns:p14="http://schemas.microsoft.com/office/powerpoint/2010/main" val="1265377167"/>
+      </p:ext>
+    </p:extLst>
+  </p:cSld>
+  <p:clrMapOvr>
+    <a:masterClrMapping/>
+  </p:clrMapOvr>
+</p:sld>
+</file>
+
+<file path=ppt/slides/slide21.xml><?xml version="1.0" encoding="utf-8"?>
+<p:sld xmlns:a="http://schemas.openxmlformats.org/drawingml/2006/main" xmlns:r="http://schemas.openxmlformats.org/officeDocument/2006/relationships" xmlns:p="http://schemas.openxmlformats.org/presentationml/2006/main">
+  <p:cSld>
+    <p:spTree>
+      <p:nvGrpSpPr>
+        <p:cNvPr id="1" name=""/>
+        <p:cNvGrpSpPr/>
+        <p:nvPr/>
+      </p:nvGrpSpPr>
+      <p:grpSpPr>
+        <a:xfrm>
+          <a:off x="0" y="0"/>
+          <a:ext cx="0" cy="0"/>
+          <a:chOff x="0" y="0"/>
+          <a:chExt cx="0" cy="0"/>
+        </a:xfrm>
+      </p:grpSpPr>
+      <p:sp>
+        <p:nvSpPr>
           <p:cNvPr id="6" name="Title 5"/>
           <p:cNvSpPr>
             <a:spLocks noGrp="1"/>
@@ -14446,7 +15091,7 @@
 </p:sld>
 </file>
 
-<file path=ppt/slides/slide21.xml><?xml version="1.0" encoding="utf-8"?>
+<file path=ppt/slides/slide22.xml><?xml version="1.0" encoding="utf-8"?>
 <p:sld xmlns:a="http://schemas.openxmlformats.org/drawingml/2006/main" xmlns:r="http://schemas.openxmlformats.org/officeDocument/2006/relationships" xmlns:p="http://schemas.openxmlformats.org/presentationml/2006/main">
   <p:cSld>
     <p:spTree>
@@ -14529,7 +15174,7 @@
 </p:sld>
 </file>
 
-<file path=ppt/slides/slide22.xml><?xml version="1.0" encoding="utf-8"?>
+<file path=ppt/slides/slide23.xml><?xml version="1.0" encoding="utf-8"?>
 <p:sld xmlns:a="http://schemas.openxmlformats.org/drawingml/2006/main" xmlns:r="http://schemas.openxmlformats.org/officeDocument/2006/relationships" xmlns:p="http://schemas.openxmlformats.org/presentationml/2006/main">
   <p:cSld>
     <p:spTree>
@@ -14651,7 +15296,7 @@
 </p:sld>
 </file>
 
-<file path=ppt/slides/slide23.xml><?xml version="1.0" encoding="utf-8"?>
+<file path=ppt/slides/slide24.xml><?xml version="1.0" encoding="utf-8"?>
 <p:sld xmlns:a="http://schemas.openxmlformats.org/drawingml/2006/main" xmlns:r="http://schemas.openxmlformats.org/officeDocument/2006/relationships" xmlns:p="http://schemas.openxmlformats.org/presentationml/2006/main">
   <p:cSld>
     <p:spTree>
@@ -15742,7 +16387,7 @@
 </p:sld>
 </file>
 
-<file path=ppt/slides/slide24.xml><?xml version="1.0" encoding="utf-8"?>
+<file path=ppt/slides/slide25.xml><?xml version="1.0" encoding="utf-8"?>
 <p:sld xmlns:a="http://schemas.openxmlformats.org/drawingml/2006/main" xmlns:r="http://schemas.openxmlformats.org/officeDocument/2006/relationships" xmlns:p="http://schemas.openxmlformats.org/presentationml/2006/main">
   <p:cSld>
     <p:spTree>
@@ -16559,7 +17204,7 @@
 </p:sld>
 </file>
 
-<file path=ppt/slides/slide25.xml><?xml version="1.0" encoding="utf-8"?>
+<file path=ppt/slides/slide26.xml><?xml version="1.0" encoding="utf-8"?>
 <p:sld xmlns:a="http://schemas.openxmlformats.org/drawingml/2006/main" xmlns:r="http://schemas.openxmlformats.org/officeDocument/2006/relationships" xmlns:p="http://schemas.openxmlformats.org/presentationml/2006/main">
   <p:cSld>
     <p:spTree>
@@ -17679,7 +18324,7 @@
 </p:sld>
 </file>
 
-<file path=ppt/slides/slide26.xml><?xml version="1.0" encoding="utf-8"?>
+<file path=ppt/slides/slide27.xml><?xml version="1.0" encoding="utf-8"?>
 <p:sld xmlns:a="http://schemas.openxmlformats.org/drawingml/2006/main" xmlns:r="http://schemas.openxmlformats.org/officeDocument/2006/relationships" xmlns:p="http://schemas.openxmlformats.org/presentationml/2006/main">
   <p:cSld>
     <p:spTree>
@@ -17902,7 +18547,7 @@
 </p:sld>
 </file>
 
-<file path=ppt/slides/slide27.xml><?xml version="1.0" encoding="utf-8"?>
+<file path=ppt/slides/slide28.xml><?xml version="1.0" encoding="utf-8"?>
 <p:sld xmlns:a="http://schemas.openxmlformats.org/drawingml/2006/main" xmlns:r="http://schemas.openxmlformats.org/officeDocument/2006/relationships" xmlns:p="http://schemas.openxmlformats.org/presentationml/2006/main">
   <p:cSld>
     <p:spTree>
